--- a/Final/Blur.pptx
+++ b/Final/Blur.pptx
@@ -6,10 +6,19 @@
   </p:sldMasterIdLst>
   <p:sldIdLst>
     <p:sldId id="256" r:id="rId2"/>
-    <p:sldId id="257" r:id="rId3"/>
-    <p:sldId id="258" r:id="rId4"/>
-    <p:sldId id="259" r:id="rId5"/>
-    <p:sldId id="260" r:id="rId6"/>
+    <p:sldId id="261" r:id="rId3"/>
+    <p:sldId id="257" r:id="rId4"/>
+    <p:sldId id="260" r:id="rId5"/>
+    <p:sldId id="259" r:id="rId6"/>
+    <p:sldId id="258" r:id="rId7"/>
+    <p:sldId id="262" r:id="rId8"/>
+    <p:sldId id="265" r:id="rId9"/>
+    <p:sldId id="266" r:id="rId10"/>
+    <p:sldId id="263" r:id="rId11"/>
+    <p:sldId id="264" r:id="rId12"/>
+    <p:sldId id="267" r:id="rId13"/>
+    <p:sldId id="268" r:id="rId14"/>
+    <p:sldId id="269" r:id="rId15"/>
   </p:sldIdLst>
   <p:sldSz cx="12192000" cy="6858000"/>
   <p:notesSz cx="6858000" cy="9144000"/>
@@ -5786,7 +5795,6 @@
           <a:bodyPr/>
           <a:lstStyle/>
           <a:p>
-            <a:pPr algn="ctr"/>
             <a:r>
               <a:rPr lang="es-419" dirty="0" smtClean="0"/>
               <a:t>Filtro Blur</a:t>
@@ -5807,10 +5815,28 @@
         </p:nvSpPr>
         <p:spPr/>
         <p:txBody>
-          <a:bodyPr/>
-          <a:lstStyle/>
-          <a:p>
-            <a:endParaRPr lang="es-ES"/>
+          <a:bodyPr>
+            <a:normAutofit lnSpcReduction="10000"/>
+          </a:bodyPr>
+          <a:lstStyle/>
+          <a:p>
+            <a:r>
+              <a:rPr lang="es-419" dirty="0" smtClean="0"/>
+              <a:t>Richard Andrey Salazar</a:t>
+            </a:r>
+          </a:p>
+          <a:p>
+            <a:r>
+              <a:rPr lang="es-419" dirty="0" smtClean="0"/>
+              <a:t>Alejandro Lopez</a:t>
+            </a:r>
+          </a:p>
+          <a:p>
+            <a:r>
+              <a:rPr lang="es-419" dirty="0" smtClean="0"/>
+              <a:t>Daniel Torres</a:t>
+            </a:r>
+            <a:endParaRPr lang="es-ES" dirty="0"/>
           </a:p>
         </p:txBody>
       </p:sp>
@@ -5824,6 +5850,547 @@
   <p:clrMapOvr>
     <a:masterClrMapping/>
   </p:clrMapOvr>
+</p:sld>
+</file>
+
+<file path=ppt/slides/slide10.xml><?xml version="1.0" encoding="utf-8"?>
+<p:sld xmlns:a="http://schemas.openxmlformats.org/drawingml/2006/main" xmlns:r="http://schemas.openxmlformats.org/officeDocument/2006/relationships" xmlns:p="http://schemas.openxmlformats.org/presentationml/2006/main">
+  <p:cSld>
+    <p:spTree>
+      <p:nvGrpSpPr>
+        <p:cNvPr id="1" name=""/>
+        <p:cNvGrpSpPr/>
+        <p:nvPr/>
+      </p:nvGrpSpPr>
+      <p:grpSpPr>
+        <a:xfrm>
+          <a:off x="0" y="0"/>
+          <a:ext cx="0" cy="0"/>
+          <a:chOff x="0" y="0"/>
+          <a:chExt cx="0" cy="0"/>
+        </a:xfrm>
+      </p:grpSpPr>
+      <p:sp>
+        <p:nvSpPr>
+          <p:cNvPr id="2" name="Título 1"/>
+          <p:cNvSpPr>
+            <a:spLocks noGrp="1"/>
+          </p:cNvSpPr>
+          <p:nvPr>
+            <p:ph type="title"/>
+          </p:nvPr>
+        </p:nvSpPr>
+        <p:spPr>
+          <a:xfrm>
+            <a:off x="677334" y="609600"/>
+            <a:ext cx="8596668" cy="742682"/>
+          </a:xfrm>
+        </p:spPr>
+        <p:txBody>
+          <a:bodyPr/>
+          <a:lstStyle/>
+          <a:p>
+            <a:pPr algn="ctr"/>
+            <a:r>
+              <a:rPr lang="es-419" dirty="0" smtClean="0"/>
+              <a:t>Selección manual</a:t>
+            </a:r>
+            <a:endParaRPr lang="es-ES" dirty="0"/>
+          </a:p>
+        </p:txBody>
+      </p:sp>
+      <p:sp>
+        <p:nvSpPr>
+          <p:cNvPr id="3" name="Marcador de contenido 2"/>
+          <p:cNvSpPr>
+            <a:spLocks noGrp="1"/>
+          </p:cNvSpPr>
+          <p:nvPr>
+            <p:ph idx="1"/>
+          </p:nvPr>
+        </p:nvSpPr>
+        <p:spPr/>
+        <p:txBody>
+          <a:bodyPr>
+            <a:normAutofit lnSpcReduction="10000"/>
+          </a:bodyPr>
+          <a:lstStyle/>
+          <a:p>
+            <a:pPr marL="0" indent="0" algn="just">
+              <a:buNone/>
+            </a:pPr>
+            <a:r>
+              <a:rPr lang="es-419" sz="2400" dirty="0" smtClean="0"/>
+              <a:t>Seleccionar el area de la mascara de forma </a:t>
+            </a:r>
+            <a:r>
+              <a:rPr lang="es-419" sz="2400" b="1" dirty="0" smtClean="0"/>
+              <a:t>manual</a:t>
+            </a:r>
+            <a:r>
+              <a:rPr lang="es-419" sz="2400" dirty="0" smtClean="0"/>
+              <a:t> mediante vertices de un poligono.</a:t>
+            </a:r>
+          </a:p>
+          <a:p>
+            <a:pPr marL="0" indent="0">
+              <a:buNone/>
+            </a:pPr>
+            <a:r>
+              <a:rPr lang="es-419" sz="2400" dirty="0" smtClean="0"/>
+              <a:t>Pros:</a:t>
+            </a:r>
+          </a:p>
+          <a:p>
+            <a:pPr>
+              <a:buFontTx/>
+              <a:buChar char="-"/>
+            </a:pPr>
+            <a:r>
+              <a:rPr lang="es-419" sz="2400" dirty="0" smtClean="0"/>
+              <a:t>Facil de implemetar</a:t>
+            </a:r>
+          </a:p>
+          <a:p>
+            <a:pPr>
+              <a:buFontTx/>
+              <a:buChar char="-"/>
+            </a:pPr>
+            <a:endParaRPr lang="es-419" sz="2400" dirty="0"/>
+          </a:p>
+          <a:p>
+            <a:pPr marL="0" indent="0">
+              <a:buNone/>
+            </a:pPr>
+            <a:r>
+              <a:rPr lang="es-419" sz="2400" dirty="0" smtClean="0"/>
+              <a:t>Contras:</a:t>
+            </a:r>
+          </a:p>
+          <a:p>
+            <a:pPr>
+              <a:buFontTx/>
+              <a:buChar char="-"/>
+            </a:pPr>
+            <a:r>
+              <a:rPr lang="es-419" sz="2400" dirty="0" smtClean="0"/>
+              <a:t>No es automatizable</a:t>
+            </a:r>
+          </a:p>
+          <a:p>
+            <a:pPr>
+              <a:buFontTx/>
+              <a:buChar char="-"/>
+            </a:pPr>
+            <a:r>
+              <a:rPr lang="es-419" sz="2400" dirty="0" smtClean="0"/>
+              <a:t>Se puede incluir partes innecesarias o excluir partes de lo que se necesita dejar sin aplicar blur.</a:t>
+            </a:r>
+          </a:p>
+        </p:txBody>
+      </p:sp>
+    </p:spTree>
+    <p:extLst>
+      <p:ext uri="{BB962C8B-B14F-4D97-AF65-F5344CB8AC3E}">
+        <p14:creationId xmlns:p14="http://schemas.microsoft.com/office/powerpoint/2010/main" val="3572836581"/>
+      </p:ext>
+    </p:extLst>
+  </p:cSld>
+  <p:clrMapOvr>
+    <a:masterClrMapping/>
+  </p:clrMapOvr>
+  <p:timing>
+    <p:tnLst>
+      <p:par>
+        <p:cTn id="1" dur="indefinite" restart="never" nodeType="tmRoot"/>
+      </p:par>
+    </p:tnLst>
+  </p:timing>
+</p:sld>
+</file>
+
+<file path=ppt/slides/slide11.xml><?xml version="1.0" encoding="utf-8"?>
+<p:sld xmlns:a="http://schemas.openxmlformats.org/drawingml/2006/main" xmlns:r="http://schemas.openxmlformats.org/officeDocument/2006/relationships" xmlns:p="http://schemas.openxmlformats.org/presentationml/2006/main">
+  <p:cSld>
+    <p:spTree>
+      <p:nvGrpSpPr>
+        <p:cNvPr id="1" name=""/>
+        <p:cNvGrpSpPr/>
+        <p:nvPr/>
+      </p:nvGrpSpPr>
+      <p:grpSpPr>
+        <a:xfrm>
+          <a:off x="0" y="0"/>
+          <a:ext cx="0" cy="0"/>
+          <a:chOff x="0" y="0"/>
+          <a:chExt cx="0" cy="0"/>
+        </a:xfrm>
+      </p:grpSpPr>
+      <p:pic>
+        <p:nvPicPr>
+          <p:cNvPr id="4" name="Imagen 3"/>
+          <p:cNvPicPr>
+            <a:picLocks noChangeAspect="1"/>
+          </p:cNvPicPr>
+          <p:nvPr/>
+        </p:nvPicPr>
+        <p:blipFill>
+          <a:blip r:embed="rId2">
+            <a:extLst>
+              <a:ext uri="{28A0092B-C50C-407E-A947-70E740481C1C}">
+                <a14:useLocalDpi xmlns:a14="http://schemas.microsoft.com/office/drawing/2010/main" val="0"/>
+              </a:ext>
+            </a:extLst>
+          </a:blip>
+          <a:stretch>
+            <a:fillRect/>
+          </a:stretch>
+        </p:blipFill>
+        <p:spPr>
+          <a:xfrm>
+            <a:off x="1764406" y="662448"/>
+            <a:ext cx="8075053" cy="6137040"/>
+          </a:xfrm>
+          <a:prstGeom prst="rect">
+            <a:avLst/>
+          </a:prstGeom>
+        </p:spPr>
+      </p:pic>
+      <p:sp>
+        <p:nvSpPr>
+          <p:cNvPr id="5" name="CuadroTexto 4"/>
+          <p:cNvSpPr txBox="1"/>
+          <p:nvPr/>
+        </p:nvSpPr>
+        <p:spPr>
+          <a:xfrm>
+            <a:off x="1764406" y="180304"/>
+            <a:ext cx="8075053" cy="369332"/>
+          </a:xfrm>
+          <a:prstGeom prst="rect">
+            <a:avLst/>
+          </a:prstGeom>
+          <a:noFill/>
+        </p:spPr>
+        <p:txBody>
+          <a:bodyPr wrap="square" rtlCol="0">
+            <a:spAutoFit/>
+          </a:bodyPr>
+          <a:lstStyle/>
+          <a:p>
+            <a:pPr algn="ctr"/>
+            <a:r>
+              <a:rPr lang="es-419" dirty="0" smtClean="0"/>
+              <a:t>Selecci</a:t>
+            </a:r>
+            <a:r>
+              <a:rPr lang="es-ES" dirty="0" err="1" smtClean="0"/>
+              <a:t>ó</a:t>
+            </a:r>
+            <a:r>
+              <a:rPr lang="es-419" dirty="0" smtClean="0"/>
+              <a:t>n de area que se quiere excluir de la aplicaci</a:t>
+            </a:r>
+            <a:r>
+              <a:rPr lang="es-ES" dirty="0" err="1" smtClean="0"/>
+              <a:t>ó</a:t>
+            </a:r>
+            <a:r>
+              <a:rPr lang="es-419" dirty="0" smtClean="0"/>
+              <a:t>n del filtro </a:t>
+            </a:r>
+            <a:endParaRPr lang="es-ES" dirty="0"/>
+          </a:p>
+        </p:txBody>
+      </p:sp>
+    </p:spTree>
+    <p:extLst>
+      <p:ext uri="{BB962C8B-B14F-4D97-AF65-F5344CB8AC3E}">
+        <p14:creationId xmlns:p14="http://schemas.microsoft.com/office/powerpoint/2010/main" val="1464398680"/>
+      </p:ext>
+    </p:extLst>
+  </p:cSld>
+  <p:clrMapOvr>
+    <a:masterClrMapping/>
+  </p:clrMapOvr>
+  <p:timing>
+    <p:tnLst>
+      <p:par>
+        <p:cTn id="1" dur="indefinite" restart="never" nodeType="tmRoot"/>
+      </p:par>
+    </p:tnLst>
+  </p:timing>
+</p:sld>
+</file>
+
+<file path=ppt/slides/slide12.xml><?xml version="1.0" encoding="utf-8"?>
+<p:sld xmlns:a="http://schemas.openxmlformats.org/drawingml/2006/main" xmlns:r="http://schemas.openxmlformats.org/officeDocument/2006/relationships" xmlns:p="http://schemas.openxmlformats.org/presentationml/2006/main">
+  <p:cSld>
+    <p:spTree>
+      <p:nvGrpSpPr>
+        <p:cNvPr id="1" name=""/>
+        <p:cNvGrpSpPr/>
+        <p:nvPr/>
+      </p:nvGrpSpPr>
+      <p:grpSpPr>
+        <a:xfrm>
+          <a:off x="0" y="0"/>
+          <a:ext cx="0" cy="0"/>
+          <a:chOff x="0" y="0"/>
+          <a:chExt cx="0" cy="0"/>
+        </a:xfrm>
+      </p:grpSpPr>
+      <p:pic>
+        <p:nvPicPr>
+          <p:cNvPr id="4" name="Imagen 3"/>
+          <p:cNvPicPr>
+            <a:picLocks noChangeAspect="1"/>
+          </p:cNvPicPr>
+          <p:nvPr/>
+        </p:nvPicPr>
+        <p:blipFill>
+          <a:blip r:embed="rId2">
+            <a:extLst>
+              <a:ext uri="{28A0092B-C50C-407E-A947-70E740481C1C}">
+                <a14:useLocalDpi xmlns:a14="http://schemas.microsoft.com/office/drawing/2010/main" val="0"/>
+              </a:ext>
+            </a:extLst>
+          </a:blip>
+          <a:stretch>
+            <a:fillRect/>
+          </a:stretch>
+        </p:blipFill>
+        <p:spPr>
+          <a:xfrm>
+            <a:off x="1584101" y="707455"/>
+            <a:ext cx="7843233" cy="6048085"/>
+          </a:xfrm>
+          <a:prstGeom prst="rect">
+            <a:avLst/>
+          </a:prstGeom>
+        </p:spPr>
+      </p:pic>
+      <p:sp>
+        <p:nvSpPr>
+          <p:cNvPr id="5" name="CuadroTexto 4"/>
+          <p:cNvSpPr txBox="1"/>
+          <p:nvPr/>
+        </p:nvSpPr>
+        <p:spPr>
+          <a:xfrm>
+            <a:off x="1584102" y="360608"/>
+            <a:ext cx="7715750" cy="369332"/>
+          </a:xfrm>
+          <a:prstGeom prst="rect">
+            <a:avLst/>
+          </a:prstGeom>
+          <a:noFill/>
+        </p:spPr>
+        <p:txBody>
+          <a:bodyPr wrap="square" rtlCol="0">
+            <a:spAutoFit/>
+          </a:bodyPr>
+          <a:lstStyle/>
+          <a:p>
+            <a:pPr algn="ctr"/>
+            <a:r>
+              <a:rPr lang="es-419" dirty="0" smtClean="0"/>
+              <a:t>Mascara generada a partir de la selección</a:t>
+            </a:r>
+            <a:endParaRPr lang="es-ES" dirty="0"/>
+          </a:p>
+        </p:txBody>
+      </p:sp>
+    </p:spTree>
+    <p:extLst>
+      <p:ext uri="{BB962C8B-B14F-4D97-AF65-F5344CB8AC3E}">
+        <p14:creationId xmlns:p14="http://schemas.microsoft.com/office/powerpoint/2010/main" val="1086689617"/>
+      </p:ext>
+    </p:extLst>
+  </p:cSld>
+  <p:clrMapOvr>
+    <a:masterClrMapping/>
+  </p:clrMapOvr>
+  <p:timing>
+    <p:tnLst>
+      <p:par>
+        <p:cTn id="1" dur="indefinite" restart="never" nodeType="tmRoot"/>
+      </p:par>
+    </p:tnLst>
+  </p:timing>
+</p:sld>
+</file>
+
+<file path=ppt/slides/slide13.xml><?xml version="1.0" encoding="utf-8"?>
+<p:sld xmlns:a="http://schemas.openxmlformats.org/drawingml/2006/main" xmlns:r="http://schemas.openxmlformats.org/officeDocument/2006/relationships" xmlns:p="http://schemas.openxmlformats.org/presentationml/2006/main">
+  <p:cSld>
+    <p:spTree>
+      <p:nvGrpSpPr>
+        <p:cNvPr id="1" name=""/>
+        <p:cNvGrpSpPr/>
+        <p:nvPr/>
+      </p:nvGrpSpPr>
+      <p:grpSpPr>
+        <a:xfrm>
+          <a:off x="0" y="0"/>
+          <a:ext cx="0" cy="0"/>
+          <a:chOff x="0" y="0"/>
+          <a:chExt cx="0" cy="0"/>
+        </a:xfrm>
+      </p:grpSpPr>
+      <p:pic>
+        <p:nvPicPr>
+          <p:cNvPr id="4" name="Imagen 3"/>
+          <p:cNvPicPr>
+            <a:picLocks noChangeAspect="1"/>
+          </p:cNvPicPr>
+          <p:nvPr/>
+        </p:nvPicPr>
+        <p:blipFill>
+          <a:blip r:embed="rId2">
+            <a:extLst>
+              <a:ext uri="{28A0092B-C50C-407E-A947-70E740481C1C}">
+                <a14:useLocalDpi xmlns:a14="http://schemas.microsoft.com/office/drawing/2010/main" val="0"/>
+              </a:ext>
+            </a:extLst>
+          </a:blip>
+          <a:stretch>
+            <a:fillRect/>
+          </a:stretch>
+        </p:blipFill>
+        <p:spPr>
+          <a:xfrm>
+            <a:off x="1893195" y="638645"/>
+            <a:ext cx="7723866" cy="5965201"/>
+          </a:xfrm>
+          <a:prstGeom prst="rect">
+            <a:avLst/>
+          </a:prstGeom>
+        </p:spPr>
+      </p:pic>
+      <p:sp>
+        <p:nvSpPr>
+          <p:cNvPr id="5" name="CuadroTexto 4"/>
+          <p:cNvSpPr txBox="1"/>
+          <p:nvPr/>
+        </p:nvSpPr>
+        <p:spPr>
+          <a:xfrm>
+            <a:off x="1893195" y="269313"/>
+            <a:ext cx="7723866" cy="369332"/>
+          </a:xfrm>
+          <a:prstGeom prst="rect">
+            <a:avLst/>
+          </a:prstGeom>
+          <a:noFill/>
+        </p:spPr>
+        <p:txBody>
+          <a:bodyPr wrap="square" rtlCol="0">
+            <a:spAutoFit/>
+          </a:bodyPr>
+          <a:lstStyle/>
+          <a:p>
+            <a:pPr algn="ctr"/>
+            <a:r>
+              <a:rPr lang="es-419" dirty="0" smtClean="0"/>
+              <a:t>Imagen resultado</a:t>
+            </a:r>
+            <a:endParaRPr lang="es-ES" dirty="0"/>
+          </a:p>
+        </p:txBody>
+      </p:sp>
+    </p:spTree>
+    <p:extLst>
+      <p:ext uri="{BB962C8B-B14F-4D97-AF65-F5344CB8AC3E}">
+        <p14:creationId xmlns:p14="http://schemas.microsoft.com/office/powerpoint/2010/main" val="2315498216"/>
+      </p:ext>
+    </p:extLst>
+  </p:cSld>
+  <p:clrMapOvr>
+    <a:masterClrMapping/>
+  </p:clrMapOvr>
+  <p:timing>
+    <p:tnLst>
+      <p:par>
+        <p:cTn id="1" dur="indefinite" restart="never" nodeType="tmRoot"/>
+      </p:par>
+    </p:tnLst>
+  </p:timing>
+</p:sld>
+</file>
+
+<file path=ppt/slides/slide14.xml><?xml version="1.0" encoding="utf-8"?>
+<p:sld xmlns:a="http://schemas.openxmlformats.org/drawingml/2006/main" xmlns:r="http://schemas.openxmlformats.org/officeDocument/2006/relationships" xmlns:p="http://schemas.openxmlformats.org/presentationml/2006/main">
+  <p:cSld>
+    <p:spTree>
+      <p:nvGrpSpPr>
+        <p:cNvPr id="1" name=""/>
+        <p:cNvGrpSpPr/>
+        <p:nvPr/>
+      </p:nvGrpSpPr>
+      <p:grpSpPr>
+        <a:xfrm>
+          <a:off x="0" y="0"/>
+          <a:ext cx="0" cy="0"/>
+          <a:chOff x="0" y="0"/>
+          <a:chExt cx="0" cy="0"/>
+        </a:xfrm>
+      </p:grpSpPr>
+      <p:sp>
+        <p:nvSpPr>
+          <p:cNvPr id="2" name="Título 1"/>
+          <p:cNvSpPr>
+            <a:spLocks noGrp="1"/>
+          </p:cNvSpPr>
+          <p:nvPr>
+            <p:ph type="title"/>
+          </p:nvPr>
+        </p:nvSpPr>
+        <p:spPr/>
+        <p:txBody>
+          <a:bodyPr/>
+          <a:lstStyle/>
+          <a:p>
+            <a:endParaRPr lang="es-ES"/>
+          </a:p>
+        </p:txBody>
+      </p:sp>
+      <p:sp>
+        <p:nvSpPr>
+          <p:cNvPr id="3" name="Marcador de contenido 2"/>
+          <p:cNvSpPr>
+            <a:spLocks noGrp="1"/>
+          </p:cNvSpPr>
+          <p:nvPr>
+            <p:ph idx="1"/>
+          </p:nvPr>
+        </p:nvSpPr>
+        <p:spPr/>
+        <p:txBody>
+          <a:bodyPr/>
+          <a:lstStyle/>
+          <a:p>
+            <a:endParaRPr lang="es-ES"/>
+          </a:p>
+        </p:txBody>
+      </p:sp>
+    </p:spTree>
+    <p:extLst>
+      <p:ext uri="{BB962C8B-B14F-4D97-AF65-F5344CB8AC3E}">
+        <p14:creationId xmlns:p14="http://schemas.microsoft.com/office/powerpoint/2010/main" val="4059745768"/>
+      </p:ext>
+    </p:extLst>
+  </p:cSld>
+  <p:clrMapOvr>
+    <a:masterClrMapping/>
+  </p:clrMapOvr>
+  <p:timing>
+    <p:tnLst>
+      <p:par>
+        <p:cTn id="1" dur="indefinite" restart="never" nodeType="tmRoot"/>
+      </p:par>
+    </p:tnLst>
+  </p:timing>
 </p:sld>
 </file>
 
@@ -5862,6 +6429,103 @@
             <a:pPr algn="ctr"/>
             <a:r>
               <a:rPr lang="es-419" dirty="0" smtClean="0"/>
+              <a:t>Aplicaciones</a:t>
+            </a:r>
+            <a:endParaRPr lang="es-ES" dirty="0"/>
+          </a:p>
+        </p:txBody>
+      </p:sp>
+      <p:sp>
+        <p:nvSpPr>
+          <p:cNvPr id="3" name="Marcador de contenido 2"/>
+          <p:cNvSpPr>
+            <a:spLocks noGrp="1"/>
+          </p:cNvSpPr>
+          <p:nvPr>
+            <p:ph idx="1"/>
+          </p:nvPr>
+        </p:nvSpPr>
+        <p:spPr/>
+        <p:txBody>
+          <a:bodyPr/>
+          <a:lstStyle/>
+          <a:p>
+            <a:r>
+              <a:rPr lang="es-419" sz="4000" dirty="0" smtClean="0"/>
+              <a:t>Fotografia</a:t>
+            </a:r>
+          </a:p>
+          <a:p>
+            <a:r>
+              <a:rPr lang="es-419" sz="4000" dirty="0" smtClean="0"/>
+              <a:t>Animaciones</a:t>
+            </a:r>
+          </a:p>
+          <a:p>
+            <a:r>
+              <a:rPr lang="es-419" sz="4000" dirty="0" smtClean="0"/>
+              <a:t>Juegos</a:t>
+            </a:r>
+          </a:p>
+          <a:p>
+            <a:r>
+              <a:rPr lang="es-419" sz="4000" dirty="0" smtClean="0"/>
+              <a:t>Humanos xD</a:t>
+            </a:r>
+          </a:p>
+          <a:p>
+            <a:endParaRPr lang="es-ES" dirty="0"/>
+          </a:p>
+        </p:txBody>
+      </p:sp>
+    </p:spTree>
+    <p:extLst>
+      <p:ext uri="{BB962C8B-B14F-4D97-AF65-F5344CB8AC3E}">
+        <p14:creationId xmlns:p14="http://schemas.microsoft.com/office/powerpoint/2010/main" val="4077431879"/>
+      </p:ext>
+    </p:extLst>
+  </p:cSld>
+  <p:clrMapOvr>
+    <a:masterClrMapping/>
+  </p:clrMapOvr>
+</p:sld>
+</file>
+
+<file path=ppt/slides/slide3.xml><?xml version="1.0" encoding="utf-8"?>
+<p:sld xmlns:a="http://schemas.openxmlformats.org/drawingml/2006/main" xmlns:r="http://schemas.openxmlformats.org/officeDocument/2006/relationships" xmlns:p="http://schemas.openxmlformats.org/presentationml/2006/main">
+  <p:cSld>
+    <p:spTree>
+      <p:nvGrpSpPr>
+        <p:cNvPr id="1" name=""/>
+        <p:cNvGrpSpPr/>
+        <p:nvPr/>
+      </p:nvGrpSpPr>
+      <p:grpSpPr>
+        <a:xfrm>
+          <a:off x="0" y="0"/>
+          <a:ext cx="0" cy="0"/>
+          <a:chOff x="0" y="0"/>
+          <a:chExt cx="0" cy="0"/>
+        </a:xfrm>
+      </p:grpSpPr>
+      <p:sp>
+        <p:nvSpPr>
+          <p:cNvPr id="2" name="Título 1"/>
+          <p:cNvSpPr>
+            <a:spLocks noGrp="1"/>
+          </p:cNvSpPr>
+          <p:nvPr>
+            <p:ph type="title"/>
+          </p:nvPr>
+        </p:nvSpPr>
+        <p:spPr/>
+        <p:txBody>
+          <a:bodyPr/>
+          <a:lstStyle/>
+          <a:p>
+            <a:pPr algn="ctr"/>
+            <a:r>
+              <a:rPr lang="es-419" dirty="0" smtClean="0"/>
               <a:t>Gaussian blur</a:t>
             </a:r>
             <a:endParaRPr lang="es-ES" dirty="0"/>
@@ -6153,7 +6817,7 @@
               <a:t> </a:t>
             </a:r>
             <a:r>
-              <a:rPr lang="en-US" sz="2000" dirty="0" err="1" smtClean="0"/>
+              <a:rPr lang="en-US" sz="2000" b="1" dirty="0" err="1" smtClean="0"/>
               <a:t>bokeh</a:t>
             </a:r>
             <a:r>
@@ -6252,91 +6916,6 @@
 </p:sld>
 </file>
 
-<file path=ppt/slides/slide3.xml><?xml version="1.0" encoding="utf-8"?>
-<p:sld xmlns:a="http://schemas.openxmlformats.org/drawingml/2006/main" xmlns:r="http://schemas.openxmlformats.org/officeDocument/2006/relationships" xmlns:p="http://schemas.openxmlformats.org/presentationml/2006/main">
-  <p:cSld>
-    <p:spTree>
-      <p:nvGrpSpPr>
-        <p:cNvPr id="1" name=""/>
-        <p:cNvGrpSpPr/>
-        <p:nvPr/>
-      </p:nvGrpSpPr>
-      <p:grpSpPr>
-        <a:xfrm>
-          <a:off x="0" y="0"/>
-          <a:ext cx="0" cy="0"/>
-          <a:chOff x="0" y="0"/>
-          <a:chExt cx="0" cy="0"/>
-        </a:xfrm>
-      </p:grpSpPr>
-      <p:sp>
-        <p:nvSpPr>
-          <p:cNvPr id="2" name="Título 1"/>
-          <p:cNvSpPr>
-            <a:spLocks noGrp="1"/>
-          </p:cNvSpPr>
-          <p:nvPr>
-            <p:ph type="title"/>
-          </p:nvPr>
-        </p:nvSpPr>
-        <p:spPr/>
-        <p:txBody>
-          <a:bodyPr/>
-          <a:lstStyle/>
-          <a:p>
-            <a:pPr algn="ctr"/>
-            <a:r>
-              <a:rPr lang="es-419" dirty="0" smtClean="0"/>
-              <a:t>Motion blur</a:t>
-            </a:r>
-            <a:endParaRPr lang="es-ES" dirty="0"/>
-          </a:p>
-        </p:txBody>
-      </p:sp>
-      <p:sp>
-        <p:nvSpPr>
-          <p:cNvPr id="3" name="Marcador de contenido 2"/>
-          <p:cNvSpPr>
-            <a:spLocks noGrp="1"/>
-          </p:cNvSpPr>
-          <p:nvPr>
-            <p:ph idx="1"/>
-          </p:nvPr>
-        </p:nvSpPr>
-        <p:spPr/>
-        <p:txBody>
-          <a:bodyPr>
-            <a:normAutofit/>
-          </a:bodyPr>
-          <a:lstStyle/>
-          <a:p>
-            <a:pPr marL="0" indent="0" algn="just">
-              <a:buNone/>
-            </a:pPr>
-            <a:r>
-              <a:rPr lang="es-ES" sz="2400" dirty="0" smtClean="0"/>
-              <a:t>Es </a:t>
-            </a:r>
-            <a:r>
-              <a:rPr lang="es-ES" sz="2400" dirty="0"/>
-              <a:t>el rastro dejado por los objetos en movimiento en una fotografía o en una secuencia de imágenes como una película o una animación. Aparece cuando el objeto siendo grabado cambia su posición durante la captura de un fotograma debido a su velocidad o al movimiento de la cámara.</a:t>
-            </a:r>
-          </a:p>
-        </p:txBody>
-      </p:sp>
-    </p:spTree>
-    <p:extLst>
-      <p:ext uri="{BB962C8B-B14F-4D97-AF65-F5344CB8AC3E}">
-        <p14:creationId xmlns:p14="http://schemas.microsoft.com/office/powerpoint/2010/main" val="364195226"/>
-      </p:ext>
-    </p:extLst>
-  </p:cSld>
-  <p:clrMapOvr>
-    <a:masterClrMapping/>
-  </p:clrMapOvr>
-</p:sld>
-</file>
-
 <file path=ppt/slides/slide4.xml><?xml version="1.0" encoding="utf-8"?>
 <p:sld xmlns:a="http://schemas.openxmlformats.org/drawingml/2006/main" xmlns:r="http://schemas.openxmlformats.org/officeDocument/2006/relationships" xmlns:p="http://schemas.openxmlformats.org/presentationml/2006/main">
   <p:cSld>
@@ -6364,48 +6943,95 @@
             <p:ph type="title"/>
           </p:nvPr>
         </p:nvSpPr>
+        <p:spPr/>
+        <p:txBody>
+          <a:bodyPr/>
+          <a:lstStyle/>
+          <a:p>
+            <a:pPr algn="ctr"/>
+            <a:r>
+              <a:rPr lang="es-419" dirty="0" smtClean="0"/>
+              <a:t>Average blur</a:t>
+            </a:r>
+            <a:endParaRPr lang="es-ES" dirty="0"/>
+          </a:p>
+        </p:txBody>
+      </p:sp>
+      <p:sp>
+        <p:nvSpPr>
+          <p:cNvPr id="3" name="Marcador de contenido 2"/>
+          <p:cNvSpPr>
+            <a:spLocks noGrp="1"/>
+          </p:cNvSpPr>
+          <p:nvPr>
+            <p:ph idx="1"/>
+          </p:nvPr>
+        </p:nvSpPr>
+        <p:spPr/>
+        <p:txBody>
+          <a:bodyPr/>
+          <a:lstStyle/>
+          <a:p>
+            <a:pPr marL="0" indent="0">
+              <a:buNone/>
+            </a:pPr>
+            <a:r>
+              <a:rPr lang="es-419" dirty="0" smtClean="0"/>
+              <a:t>El filtro Average Blur aplica una convolucion a la imagen usando una mascara con pesos iguales de forma rectangular( M x N) o cuadrada (M x M).</a:t>
+            </a:r>
+          </a:p>
+          <a:p>
+            <a:pPr marL="0" indent="0">
+              <a:buNone/>
+            </a:pPr>
+            <a:r>
+              <a:rPr lang="es-419" dirty="0" smtClean="0"/>
+              <a:t>Una mascara usada comunmente para el filtro Average Blur es:</a:t>
+            </a:r>
+            <a:endParaRPr lang="es-419" dirty="0"/>
+          </a:p>
+          <a:p>
+            <a:endParaRPr lang="es-419" dirty="0" smtClean="0"/>
+          </a:p>
+          <a:p>
+            <a:endParaRPr lang="es-ES" dirty="0"/>
+          </a:p>
+        </p:txBody>
+      </p:sp>
+      <p:pic>
+        <p:nvPicPr>
+          <p:cNvPr id="4" name="Imagen 3"/>
+          <p:cNvPicPr>
+            <a:picLocks noChangeAspect="1"/>
+          </p:cNvPicPr>
+          <p:nvPr/>
+        </p:nvPicPr>
+        <p:blipFill>
+          <a:blip r:embed="rId2">
+            <a:extLst>
+              <a:ext uri="{28A0092B-C50C-407E-A947-70E740481C1C}">
+                <a14:useLocalDpi xmlns:a14="http://schemas.microsoft.com/office/drawing/2010/main" val="0"/>
+              </a:ext>
+            </a:extLst>
+          </a:blip>
+          <a:stretch>
+            <a:fillRect/>
+          </a:stretch>
+        </p:blipFill>
         <p:spPr>
           <a:xfrm>
-            <a:off x="677334" y="609600"/>
-            <a:ext cx="8596668" cy="729803"/>
+            <a:off x="4384853" y="3434614"/>
+            <a:ext cx="1912915" cy="1924167"/>
           </a:xfrm>
+          <a:prstGeom prst="rect">
+            <a:avLst/>
+          </a:prstGeom>
         </p:spPr>
-        <p:txBody>
-          <a:bodyPr/>
-          <a:lstStyle/>
-          <a:p>
-            <a:pPr algn="ctr"/>
-            <a:r>
-              <a:rPr lang="es-419" dirty="0" smtClean="0"/>
-              <a:t>Disk blur</a:t>
-            </a:r>
-            <a:endParaRPr lang="es-ES" dirty="0"/>
-          </a:p>
-        </p:txBody>
-      </p:sp>
-      <p:sp>
-        <p:nvSpPr>
-          <p:cNvPr id="3" name="Marcador de contenido 2"/>
-          <p:cNvSpPr>
-            <a:spLocks noGrp="1"/>
-          </p:cNvSpPr>
-          <p:nvPr>
-            <p:ph idx="1"/>
-          </p:nvPr>
-        </p:nvSpPr>
-        <p:spPr/>
-        <p:txBody>
-          <a:bodyPr/>
-          <a:lstStyle/>
-          <a:p>
-            <a:endParaRPr lang="es-ES" dirty="0"/>
-          </a:p>
-        </p:txBody>
-      </p:sp>
+      </p:pic>
     </p:spTree>
     <p:extLst>
       <p:ext uri="{BB962C8B-B14F-4D97-AF65-F5344CB8AC3E}">
-        <p14:creationId xmlns:p14="http://schemas.microsoft.com/office/powerpoint/2010/main" val="827006837"/>
+        <p14:creationId xmlns:p14="http://schemas.microsoft.com/office/powerpoint/2010/main" val="404462394"/>
       </p:ext>
     </p:extLst>
   </p:cSld>
@@ -6442,49 +7068,632 @@
             <p:ph type="title"/>
           </p:nvPr>
         </p:nvSpPr>
+        <p:spPr>
+          <a:xfrm>
+            <a:off x="677334" y="609600"/>
+            <a:ext cx="8596668" cy="729803"/>
+          </a:xfrm>
+        </p:spPr>
+        <p:txBody>
+          <a:bodyPr/>
+          <a:lstStyle/>
+          <a:p>
+            <a:pPr algn="ctr"/>
+            <a:r>
+              <a:rPr lang="es-419" dirty="0" smtClean="0"/>
+              <a:t>Disk blur</a:t>
+            </a:r>
+            <a:endParaRPr lang="es-ES" dirty="0"/>
+          </a:p>
+        </p:txBody>
+      </p:sp>
+      <p:sp>
+        <p:nvSpPr>
+          <p:cNvPr id="3" name="Marcador de contenido 2"/>
+          <p:cNvSpPr>
+            <a:spLocks noGrp="1"/>
+          </p:cNvSpPr>
+          <p:nvPr>
+            <p:ph idx="1"/>
+          </p:nvPr>
+        </p:nvSpPr>
         <p:spPr/>
         <p:txBody>
           <a:bodyPr/>
           <a:lstStyle/>
           <a:p>
-            <a:pPr algn="ctr"/>
+            <a:pPr marL="0" indent="0">
+              <a:buNone/>
+            </a:pPr>
             <a:r>
               <a:rPr lang="es-419" dirty="0" smtClean="0"/>
-              <a:t>Average blur</a:t>
-            </a:r>
+              <a:t>El filtro Disk blur consiste en aplicar el filtro Average blur pero con una mascara circular en vez de una mascara rectangular o cuadrada.</a:t>
+            </a:r>
+          </a:p>
+          <a:p>
+            <a:pPr marL="0" indent="0">
+              <a:buNone/>
+            </a:pPr>
             <a:endParaRPr lang="es-ES" dirty="0"/>
           </a:p>
         </p:txBody>
       </p:sp>
-      <p:sp>
-        <p:nvSpPr>
-          <p:cNvPr id="3" name="Marcador de contenido 2"/>
-          <p:cNvSpPr>
-            <a:spLocks noGrp="1"/>
-          </p:cNvSpPr>
-          <p:nvPr>
-            <p:ph idx="1"/>
-          </p:nvPr>
-        </p:nvSpPr>
-        <p:spPr/>
-        <p:txBody>
-          <a:bodyPr/>
-          <a:lstStyle/>
-          <a:p>
-            <a:endParaRPr lang="es-ES"/>
-          </a:p>
-        </p:txBody>
-      </p:sp>
+      <p:pic>
+        <p:nvPicPr>
+          <p:cNvPr id="4" name="Imagen 3"/>
+          <p:cNvPicPr>
+            <a:picLocks noChangeAspect="1"/>
+          </p:cNvPicPr>
+          <p:nvPr/>
+        </p:nvPicPr>
+        <p:blipFill>
+          <a:blip r:embed="rId2">
+            <a:extLst>
+              <a:ext uri="{28A0092B-C50C-407E-A947-70E740481C1C}">
+                <a14:useLocalDpi xmlns:a14="http://schemas.microsoft.com/office/drawing/2010/main" val="0"/>
+              </a:ext>
+            </a:extLst>
+          </a:blip>
+          <a:stretch>
+            <a:fillRect/>
+          </a:stretch>
+        </p:blipFill>
+        <p:spPr>
+          <a:xfrm>
+            <a:off x="1125593" y="3315088"/>
+            <a:ext cx="7924744" cy="2622072"/>
+          </a:xfrm>
+          <a:prstGeom prst="rect">
+            <a:avLst/>
+          </a:prstGeom>
+        </p:spPr>
+      </p:pic>
     </p:spTree>
     <p:extLst>
       <p:ext uri="{BB962C8B-B14F-4D97-AF65-F5344CB8AC3E}">
-        <p14:creationId xmlns:p14="http://schemas.microsoft.com/office/powerpoint/2010/main" val="404462394"/>
+        <p14:creationId xmlns:p14="http://schemas.microsoft.com/office/powerpoint/2010/main" val="827006837"/>
       </p:ext>
     </p:extLst>
   </p:cSld>
   <p:clrMapOvr>
     <a:masterClrMapping/>
   </p:clrMapOvr>
+</p:sld>
+</file>
+
+<file path=ppt/slides/slide6.xml><?xml version="1.0" encoding="utf-8"?>
+<p:sld xmlns:a="http://schemas.openxmlformats.org/drawingml/2006/main" xmlns:r="http://schemas.openxmlformats.org/officeDocument/2006/relationships" xmlns:p="http://schemas.openxmlformats.org/presentationml/2006/main">
+  <p:cSld>
+    <p:spTree>
+      <p:nvGrpSpPr>
+        <p:cNvPr id="1" name=""/>
+        <p:cNvGrpSpPr/>
+        <p:nvPr/>
+      </p:nvGrpSpPr>
+      <p:grpSpPr>
+        <a:xfrm>
+          <a:off x="0" y="0"/>
+          <a:ext cx="0" cy="0"/>
+          <a:chOff x="0" y="0"/>
+          <a:chExt cx="0" cy="0"/>
+        </a:xfrm>
+      </p:grpSpPr>
+      <p:sp>
+        <p:nvSpPr>
+          <p:cNvPr id="2" name="Título 1"/>
+          <p:cNvSpPr>
+            <a:spLocks noGrp="1"/>
+          </p:cNvSpPr>
+          <p:nvPr>
+            <p:ph type="title"/>
+          </p:nvPr>
+        </p:nvSpPr>
+        <p:spPr>
+          <a:xfrm>
+            <a:off x="677334" y="609600"/>
+            <a:ext cx="8596668" cy="626772"/>
+          </a:xfrm>
+        </p:spPr>
+        <p:txBody>
+          <a:bodyPr>
+            <a:normAutofit fontScale="90000"/>
+          </a:bodyPr>
+          <a:lstStyle/>
+          <a:p>
+            <a:pPr algn="ctr"/>
+            <a:r>
+              <a:rPr lang="es-419" dirty="0" smtClean="0"/>
+              <a:t>Motion blur</a:t>
+            </a:r>
+            <a:endParaRPr lang="es-ES" dirty="0"/>
+          </a:p>
+        </p:txBody>
+      </p:sp>
+      <p:sp>
+        <p:nvSpPr>
+          <p:cNvPr id="3" name="Marcador de contenido 2"/>
+          <p:cNvSpPr>
+            <a:spLocks noGrp="1"/>
+          </p:cNvSpPr>
+          <p:nvPr>
+            <p:ph idx="1"/>
+          </p:nvPr>
+        </p:nvSpPr>
+        <p:spPr>
+          <a:xfrm>
+            <a:off x="677334" y="1236372"/>
+            <a:ext cx="8596668" cy="4804991"/>
+          </a:xfrm>
+        </p:spPr>
+        <p:txBody>
+          <a:bodyPr>
+            <a:normAutofit/>
+          </a:bodyPr>
+          <a:lstStyle/>
+          <a:p>
+            <a:pPr marL="0" indent="0" algn="just">
+              <a:buNone/>
+            </a:pPr>
+            <a:r>
+              <a:rPr lang="es-ES" sz="2000" dirty="0" smtClean="0"/>
+              <a:t>Es </a:t>
+            </a:r>
+            <a:r>
+              <a:rPr lang="es-ES" sz="2000" dirty="0"/>
+              <a:t>el rastro dejado por los objetos en movimiento en una fotografía o en una secuencia de imágenes como una película o una animación. Aparece cuando el objeto siendo grabado cambia su posición durante la captura de un </a:t>
+            </a:r>
+            <a:r>
+              <a:rPr lang="es-ES" sz="2000" dirty="0" smtClean="0"/>
+              <a:t>fotograma </a:t>
+            </a:r>
+            <a:r>
+              <a:rPr lang="es-ES" sz="2000" dirty="0"/>
+              <a:t>debido a su velocidad o al movimiento de la cámara</a:t>
+            </a:r>
+            <a:r>
+              <a:rPr lang="es-ES" sz="2000" dirty="0" smtClean="0"/>
+              <a:t>.</a:t>
+            </a:r>
+          </a:p>
+          <a:p>
+            <a:pPr marL="0" indent="0" algn="just">
+              <a:buNone/>
+            </a:pPr>
+            <a:r>
+              <a:rPr lang="es-419" sz="2000" dirty="0" smtClean="0"/>
+              <a:t>Se aplica mediante una convolucion con una mascara que depende del angulo que se de sea en el motion blur, por ejemplo:</a:t>
+            </a:r>
+          </a:p>
+          <a:p>
+            <a:pPr marL="0" indent="0" algn="just">
+              <a:buNone/>
+            </a:pPr>
+            <a:r>
+              <a:rPr lang="es-419" sz="2000" dirty="0"/>
+              <a:t>0°: 0.2000    0.2000    0.2000    0.2000    </a:t>
+            </a:r>
+            <a:r>
+              <a:rPr lang="es-419" sz="2000" dirty="0" smtClean="0"/>
+              <a:t>0.2000</a:t>
+            </a:r>
+          </a:p>
+          <a:p>
+            <a:pPr marL="0" indent="0" algn="just">
+              <a:buNone/>
+            </a:pPr>
+            <a:r>
+              <a:rPr lang="es-419" sz="2000" dirty="0"/>
+              <a:t>90°: 0.2000</a:t>
+            </a:r>
+          </a:p>
+          <a:p>
+            <a:pPr marL="0" indent="0" algn="just">
+              <a:buNone/>
+            </a:pPr>
+            <a:r>
+              <a:rPr lang="es-419" sz="2000" dirty="0"/>
+              <a:t>   </a:t>
+            </a:r>
+            <a:r>
+              <a:rPr lang="es-419" sz="2000" dirty="0" smtClean="0"/>
+              <a:t>    0.2000</a:t>
+            </a:r>
+            <a:endParaRPr lang="es-419" sz="2000" dirty="0"/>
+          </a:p>
+          <a:p>
+            <a:pPr marL="0" indent="0" algn="just">
+              <a:buNone/>
+            </a:pPr>
+            <a:r>
+              <a:rPr lang="es-419" sz="2000" dirty="0"/>
+              <a:t>    </a:t>
+            </a:r>
+            <a:r>
+              <a:rPr lang="es-419" sz="2000" dirty="0" smtClean="0"/>
+              <a:t>   0.2000</a:t>
+            </a:r>
+            <a:endParaRPr lang="es-419" sz="2000" dirty="0"/>
+          </a:p>
+          <a:p>
+            <a:pPr marL="0" indent="0" algn="just">
+              <a:buNone/>
+            </a:pPr>
+            <a:r>
+              <a:rPr lang="es-419" sz="2000" dirty="0"/>
+              <a:t>    </a:t>
+            </a:r>
+            <a:r>
+              <a:rPr lang="es-419" sz="2000" dirty="0" smtClean="0"/>
+              <a:t>   0.2000</a:t>
+            </a:r>
+            <a:endParaRPr lang="es-419" sz="2000" dirty="0"/>
+          </a:p>
+          <a:p>
+            <a:pPr marL="0" indent="0" algn="just">
+              <a:buNone/>
+            </a:pPr>
+            <a:r>
+              <a:rPr lang="es-419" sz="2000" dirty="0"/>
+              <a:t>    </a:t>
+            </a:r>
+            <a:r>
+              <a:rPr lang="es-419" sz="2000" dirty="0" smtClean="0"/>
+              <a:t>   0.2000</a:t>
+            </a:r>
+            <a:endParaRPr lang="es-ES" sz="2000" dirty="0"/>
+          </a:p>
+        </p:txBody>
+      </p:sp>
+    </p:spTree>
+    <p:extLst>
+      <p:ext uri="{BB962C8B-B14F-4D97-AF65-F5344CB8AC3E}">
+        <p14:creationId xmlns:p14="http://schemas.microsoft.com/office/powerpoint/2010/main" val="364195226"/>
+      </p:ext>
+    </p:extLst>
+  </p:cSld>
+  <p:clrMapOvr>
+    <a:masterClrMapping/>
+  </p:clrMapOvr>
+</p:sld>
+</file>
+
+<file path=ppt/slides/slide7.xml><?xml version="1.0" encoding="utf-8"?>
+<p:sld xmlns:a="http://schemas.openxmlformats.org/drawingml/2006/main" xmlns:r="http://schemas.openxmlformats.org/officeDocument/2006/relationships" xmlns:p="http://schemas.openxmlformats.org/presentationml/2006/main">
+  <p:cSld>
+    <p:spTree>
+      <p:nvGrpSpPr>
+        <p:cNvPr id="1" name=""/>
+        <p:cNvGrpSpPr/>
+        <p:nvPr/>
+      </p:nvGrpSpPr>
+      <p:grpSpPr>
+        <a:xfrm>
+          <a:off x="0" y="0"/>
+          <a:ext cx="0" cy="0"/>
+          <a:chOff x="0" y="0"/>
+          <a:chExt cx="0" cy="0"/>
+        </a:xfrm>
+      </p:grpSpPr>
+      <p:sp>
+        <p:nvSpPr>
+          <p:cNvPr id="4" name="Título 3"/>
+          <p:cNvSpPr>
+            <a:spLocks noGrp="1"/>
+          </p:cNvSpPr>
+          <p:nvPr>
+            <p:ph type="title"/>
+          </p:nvPr>
+        </p:nvSpPr>
+        <p:spPr>
+          <a:xfrm>
+            <a:off x="1050822" y="2605825"/>
+            <a:ext cx="8596668" cy="1320800"/>
+          </a:xfrm>
+        </p:spPr>
+        <p:txBody>
+          <a:bodyPr>
+            <a:noAutofit/>
+          </a:bodyPr>
+          <a:lstStyle/>
+          <a:p>
+            <a:pPr algn="r"/>
+            <a:r>
+              <a:rPr lang="es-419" sz="4400" dirty="0" smtClean="0"/>
+              <a:t>Proceso de “blurrificacion”</a:t>
+            </a:r>
+            <a:endParaRPr lang="es-ES" sz="4400" dirty="0"/>
+          </a:p>
+        </p:txBody>
+      </p:sp>
+    </p:spTree>
+    <p:extLst>
+      <p:ext uri="{BB962C8B-B14F-4D97-AF65-F5344CB8AC3E}">
+        <p14:creationId xmlns:p14="http://schemas.microsoft.com/office/powerpoint/2010/main" val="2200176929"/>
+      </p:ext>
+    </p:extLst>
+  </p:cSld>
+  <p:clrMapOvr>
+    <a:masterClrMapping/>
+  </p:clrMapOvr>
+</p:sld>
+</file>
+
+<file path=ppt/slides/slide8.xml><?xml version="1.0" encoding="utf-8"?>
+<p:sld xmlns:a="http://schemas.openxmlformats.org/drawingml/2006/main" xmlns:r="http://schemas.openxmlformats.org/officeDocument/2006/relationships" xmlns:p="http://schemas.openxmlformats.org/presentationml/2006/main">
+  <p:cSld>
+    <p:spTree>
+      <p:nvGrpSpPr>
+        <p:cNvPr id="1" name=""/>
+        <p:cNvGrpSpPr/>
+        <p:nvPr/>
+      </p:nvGrpSpPr>
+      <p:grpSpPr>
+        <a:xfrm>
+          <a:off x="0" y="0"/>
+          <a:ext cx="0" cy="0"/>
+          <a:chOff x="0" y="0"/>
+          <a:chExt cx="0" cy="0"/>
+        </a:xfrm>
+      </p:grpSpPr>
+      <p:sp>
+        <p:nvSpPr>
+          <p:cNvPr id="2" name="Título 1"/>
+          <p:cNvSpPr>
+            <a:spLocks noGrp="1"/>
+          </p:cNvSpPr>
+          <p:nvPr>
+            <p:ph type="title"/>
+          </p:nvPr>
+        </p:nvSpPr>
+        <p:spPr>
+          <a:xfrm>
+            <a:off x="677334" y="609600"/>
+            <a:ext cx="8596668" cy="1103290"/>
+          </a:xfrm>
+        </p:spPr>
+        <p:txBody>
+          <a:bodyPr>
+            <a:normAutofit fontScale="90000"/>
+          </a:bodyPr>
+          <a:lstStyle/>
+          <a:p>
+            <a:pPr algn="ctr"/>
+            <a:r>
+              <a:rPr lang="es-419" dirty="0" smtClean="0"/>
+              <a:t>Aplicando blur a una imagen excluyendo un objeto en particular</a:t>
+            </a:r>
+            <a:endParaRPr lang="es-ES" dirty="0"/>
+          </a:p>
+        </p:txBody>
+      </p:sp>
+      <p:sp>
+        <p:nvSpPr>
+          <p:cNvPr id="3" name="Marcador de contenido 2"/>
+          <p:cNvSpPr>
+            <a:spLocks noGrp="1"/>
+          </p:cNvSpPr>
+          <p:nvPr>
+            <p:ph idx="1"/>
+          </p:nvPr>
+        </p:nvSpPr>
+        <p:spPr/>
+        <p:txBody>
+          <a:bodyPr>
+            <a:normAutofit/>
+          </a:bodyPr>
+          <a:lstStyle/>
+          <a:p>
+            <a:pPr marL="0" indent="0" algn="just">
+              <a:buNone/>
+            </a:pPr>
+            <a:r>
+              <a:rPr lang="es-419" sz="2400" dirty="0" smtClean="0"/>
+              <a:t>El proceso de aplicar blur a una imagen es, independientemente del filtro a aplicar, hacer una convolución con determinada mascara dependiendo del caso.</a:t>
+            </a:r>
+            <a:endParaRPr lang="es-419" sz="2400" dirty="0"/>
+          </a:p>
+          <a:p>
+            <a:pPr marL="0" indent="0" algn="just">
+              <a:buNone/>
+            </a:pPr>
+            <a:r>
+              <a:rPr lang="es-419" sz="2400" dirty="0" smtClean="0"/>
+              <a:t>Sin embargo, aplicar </a:t>
+            </a:r>
+            <a:r>
+              <a:rPr lang="es-419" sz="2400" dirty="0"/>
+              <a:t>blur a una imagen, con la variación de incluir o excluir un objeto de </a:t>
+            </a:r>
+            <a:r>
+              <a:rPr lang="es-419" sz="2400" dirty="0" smtClean="0"/>
+              <a:t>ésta, conlleva un trabajo extra que se busco abordar desde distintas perspectivas.</a:t>
+            </a:r>
+            <a:endParaRPr lang="es-ES" sz="2400" dirty="0"/>
+          </a:p>
+          <a:p>
+            <a:pPr marL="0" indent="0" algn="just">
+              <a:buNone/>
+            </a:pPr>
+            <a:endParaRPr lang="es-419" sz="2400" dirty="0" smtClean="0"/>
+          </a:p>
+        </p:txBody>
+      </p:sp>
+    </p:spTree>
+    <p:extLst>
+      <p:ext uri="{BB962C8B-B14F-4D97-AF65-F5344CB8AC3E}">
+        <p14:creationId xmlns:p14="http://schemas.microsoft.com/office/powerpoint/2010/main" val="1317548237"/>
+      </p:ext>
+    </p:extLst>
+  </p:cSld>
+  <p:clrMapOvr>
+    <a:masterClrMapping/>
+  </p:clrMapOvr>
+  <p:timing>
+    <p:tnLst>
+      <p:par>
+        <p:cTn id="1" dur="indefinite" restart="never" nodeType="tmRoot"/>
+      </p:par>
+    </p:tnLst>
+  </p:timing>
+</p:sld>
+</file>
+
+<file path=ppt/slides/slide9.xml><?xml version="1.0" encoding="utf-8"?>
+<p:sld xmlns:a="http://schemas.openxmlformats.org/drawingml/2006/main" xmlns:r="http://schemas.openxmlformats.org/officeDocument/2006/relationships" xmlns:p="http://schemas.openxmlformats.org/presentationml/2006/main">
+  <p:cSld>
+    <p:spTree>
+      <p:nvGrpSpPr>
+        <p:cNvPr id="1" name=""/>
+        <p:cNvGrpSpPr/>
+        <p:nvPr/>
+      </p:nvGrpSpPr>
+      <p:grpSpPr>
+        <a:xfrm>
+          <a:off x="0" y="0"/>
+          <a:ext cx="0" cy="0"/>
+          <a:chOff x="0" y="0"/>
+          <a:chExt cx="0" cy="0"/>
+        </a:xfrm>
+      </p:grpSpPr>
+      <p:pic>
+        <p:nvPicPr>
+          <p:cNvPr id="4" name="Imagen 3"/>
+          <p:cNvPicPr>
+            <a:picLocks noChangeAspect="1"/>
+          </p:cNvPicPr>
+          <p:nvPr/>
+        </p:nvPicPr>
+        <p:blipFill>
+          <a:blip r:embed="rId2">
+            <a:extLst>
+              <a:ext uri="{28A0092B-C50C-407E-A947-70E740481C1C}">
+                <a14:useLocalDpi xmlns:a14="http://schemas.microsoft.com/office/drawing/2010/main" val="0"/>
+              </a:ext>
+            </a:extLst>
+          </a:blip>
+          <a:stretch>
+            <a:fillRect/>
+          </a:stretch>
+        </p:blipFill>
+        <p:spPr>
+          <a:xfrm>
+            <a:off x="6255276" y="1474497"/>
+            <a:ext cx="5553310" cy="4269480"/>
+          </a:xfrm>
+          <a:prstGeom prst="rect">
+            <a:avLst/>
+          </a:prstGeom>
+        </p:spPr>
+      </p:pic>
+      <p:pic>
+        <p:nvPicPr>
+          <p:cNvPr id="5" name="Imagen 4"/>
+          <p:cNvPicPr>
+            <a:picLocks noChangeAspect="1"/>
+          </p:cNvPicPr>
+          <p:nvPr/>
+        </p:nvPicPr>
+        <p:blipFill>
+          <a:blip r:embed="rId3">
+            <a:extLst>
+              <a:ext uri="{28A0092B-C50C-407E-A947-70E740481C1C}">
+                <a14:useLocalDpi xmlns:a14="http://schemas.microsoft.com/office/drawing/2010/main" val="0"/>
+              </a:ext>
+            </a:extLst>
+          </a:blip>
+          <a:stretch>
+            <a:fillRect/>
+          </a:stretch>
+        </p:blipFill>
+        <p:spPr>
+          <a:xfrm>
+            <a:off x="267942" y="1474497"/>
+            <a:ext cx="5553310" cy="4269480"/>
+          </a:xfrm>
+          <a:prstGeom prst="rect">
+            <a:avLst/>
+          </a:prstGeom>
+        </p:spPr>
+      </p:pic>
+      <p:sp>
+        <p:nvSpPr>
+          <p:cNvPr id="6" name="CuadroTexto 5"/>
+          <p:cNvSpPr txBox="1"/>
+          <p:nvPr/>
+        </p:nvSpPr>
+        <p:spPr>
+          <a:xfrm>
+            <a:off x="267942" y="746975"/>
+            <a:ext cx="5553309" cy="369332"/>
+          </a:xfrm>
+          <a:prstGeom prst="rect">
+            <a:avLst/>
+          </a:prstGeom>
+          <a:noFill/>
+        </p:spPr>
+        <p:txBody>
+          <a:bodyPr wrap="square" rtlCol="0">
+            <a:spAutoFit/>
+          </a:bodyPr>
+          <a:lstStyle/>
+          <a:p>
+            <a:pPr algn="ctr"/>
+            <a:r>
+              <a:rPr lang="es-419" dirty="0" smtClean="0"/>
+              <a:t>Imagen original</a:t>
+            </a:r>
+            <a:endParaRPr lang="es-ES" dirty="0"/>
+          </a:p>
+        </p:txBody>
+      </p:sp>
+      <p:sp>
+        <p:nvSpPr>
+          <p:cNvPr id="7" name="CuadroTexto 6"/>
+          <p:cNvSpPr txBox="1"/>
+          <p:nvPr/>
+        </p:nvSpPr>
+        <p:spPr>
+          <a:xfrm>
+            <a:off x="6255277" y="746975"/>
+            <a:ext cx="5300748" cy="369332"/>
+          </a:xfrm>
+          <a:prstGeom prst="rect">
+            <a:avLst/>
+          </a:prstGeom>
+          <a:noFill/>
+        </p:spPr>
+        <p:txBody>
+          <a:bodyPr wrap="square" rtlCol="0">
+            <a:spAutoFit/>
+          </a:bodyPr>
+          <a:lstStyle/>
+          <a:p>
+            <a:pPr algn="ctr"/>
+            <a:r>
+              <a:rPr lang="es-419" dirty="0" smtClean="0"/>
+              <a:t>Imagen tras aplicar Disk Blur con radio 10</a:t>
+            </a:r>
+            <a:endParaRPr lang="es-ES" dirty="0"/>
+          </a:p>
+        </p:txBody>
+      </p:sp>
+    </p:spTree>
+    <p:extLst>
+      <p:ext uri="{BB962C8B-B14F-4D97-AF65-F5344CB8AC3E}">
+        <p14:creationId xmlns:p14="http://schemas.microsoft.com/office/powerpoint/2010/main" val="4236674791"/>
+      </p:ext>
+    </p:extLst>
+  </p:cSld>
+  <p:clrMapOvr>
+    <a:masterClrMapping/>
+  </p:clrMapOvr>
+  <p:timing>
+    <p:tnLst>
+      <p:par>
+        <p:cTn id="1" dur="indefinite" restart="never" nodeType="tmRoot"/>
+      </p:par>
+    </p:tnLst>
+  </p:timing>
 </p:sld>
 </file>
 
